--- a/Email Inbox Overload.pptx
+++ b/Email Inbox Overload.pptx
@@ -622,7 +622,7 @@
           <a:p>
             <a:fld id="{285106B5-F9C4-4415-BDE9-896DDFEC0EC3}" type="datetimeFigureOut">
               <a:rPr lang="en-US" smtClean="0"/>
-              <a:t>10/30/2022</a:t>
+              <a:t>11/2/2022</a:t>
             </a:fld>
             <a:endParaRPr lang="en-US"/>
           </a:p>
@@ -918,7 +918,7 @@
           <a:p>
             <a:fld id="{285106B5-F9C4-4415-BDE9-896DDFEC0EC3}" type="datetimeFigureOut">
               <a:rPr lang="en-US" smtClean="0"/>
-              <a:t>10/30/2022</a:t>
+              <a:t>11/2/2022</a:t>
             </a:fld>
             <a:endParaRPr lang="en-US"/>
           </a:p>
@@ -1166,7 +1166,7 @@
           <a:p>
             <a:fld id="{285106B5-F9C4-4415-BDE9-896DDFEC0EC3}" type="datetimeFigureOut">
               <a:rPr lang="en-US" smtClean="0"/>
-              <a:t>10/30/2022</a:t>
+              <a:t>11/2/2022</a:t>
             </a:fld>
             <a:endParaRPr lang="en-US"/>
           </a:p>
@@ -1706,7 +1706,7 @@
           <a:p>
             <a:fld id="{285106B5-F9C4-4415-BDE9-896DDFEC0EC3}" type="datetimeFigureOut">
               <a:rPr lang="en-US" smtClean="0"/>
-              <a:t>10/30/2022</a:t>
+              <a:t>11/2/2022</a:t>
             </a:fld>
             <a:endParaRPr lang="en-US"/>
           </a:p>
@@ -1954,7 +1954,7 @@
           <a:p>
             <a:fld id="{285106B5-F9C4-4415-BDE9-896DDFEC0EC3}" type="datetimeFigureOut">
               <a:rPr lang="en-US" smtClean="0"/>
-              <a:t>10/30/2022</a:t>
+              <a:t>11/2/2022</a:t>
             </a:fld>
             <a:endParaRPr lang="en-US"/>
           </a:p>
@@ -2486,7 +2486,7 @@
           <a:p>
             <a:fld id="{285106B5-F9C4-4415-BDE9-896DDFEC0EC3}" type="datetimeFigureOut">
               <a:rPr lang="en-US" smtClean="0"/>
-              <a:t>10/30/2022</a:t>
+              <a:t>11/2/2022</a:t>
             </a:fld>
             <a:endParaRPr lang="en-US"/>
           </a:p>
@@ -2783,7 +2783,7 @@
           <a:p>
             <a:fld id="{285106B5-F9C4-4415-BDE9-896DDFEC0EC3}" type="datetimeFigureOut">
               <a:rPr lang="en-US" smtClean="0"/>
-              <a:t>10/30/2022</a:t>
+              <a:t>11/2/2022</a:t>
             </a:fld>
             <a:endParaRPr lang="en-US"/>
           </a:p>
@@ -2957,7 +2957,7 @@
           <a:p>
             <a:fld id="{285106B5-F9C4-4415-BDE9-896DDFEC0EC3}" type="datetimeFigureOut">
               <a:rPr lang="en-US" smtClean="0"/>
-              <a:t>10/30/2022</a:t>
+              <a:t>11/2/2022</a:t>
             </a:fld>
             <a:endParaRPr lang="en-US"/>
           </a:p>
@@ -3137,7 +3137,7 @@
           <a:p>
             <a:fld id="{285106B5-F9C4-4415-BDE9-896DDFEC0EC3}" type="datetimeFigureOut">
               <a:rPr lang="en-US" smtClean="0"/>
-              <a:t>10/30/2022</a:t>
+              <a:t>11/2/2022</a:t>
             </a:fld>
             <a:endParaRPr lang="en-US"/>
           </a:p>
@@ -3307,7 +3307,7 @@
           <a:p>
             <a:fld id="{285106B5-F9C4-4415-BDE9-896DDFEC0EC3}" type="datetimeFigureOut">
               <a:rPr lang="en-US" smtClean="0"/>
-              <a:t>10/30/2022</a:t>
+              <a:t>11/2/2022</a:t>
             </a:fld>
             <a:endParaRPr lang="en-US"/>
           </a:p>
@@ -3558,7 +3558,7 @@
           <a:p>
             <a:fld id="{285106B5-F9C4-4415-BDE9-896DDFEC0EC3}" type="datetimeFigureOut">
               <a:rPr lang="en-US" smtClean="0"/>
-              <a:t>10/30/2022</a:t>
+              <a:t>11/2/2022</a:t>
             </a:fld>
             <a:endParaRPr lang="en-US"/>
           </a:p>
@@ -3855,7 +3855,7 @@
           <a:p>
             <a:fld id="{285106B5-F9C4-4415-BDE9-896DDFEC0EC3}" type="datetimeFigureOut">
               <a:rPr lang="en-US" smtClean="0"/>
-              <a:t>10/30/2022</a:t>
+              <a:t>11/2/2022</a:t>
             </a:fld>
             <a:endParaRPr lang="en-US"/>
           </a:p>
@@ -4297,7 +4297,7 @@
           <a:p>
             <a:fld id="{285106B5-F9C4-4415-BDE9-896DDFEC0EC3}" type="datetimeFigureOut">
               <a:rPr lang="en-US" smtClean="0"/>
-              <a:t>10/30/2022</a:t>
+              <a:t>11/2/2022</a:t>
             </a:fld>
             <a:endParaRPr lang="en-US"/>
           </a:p>
@@ -4415,7 +4415,7 @@
           <a:p>
             <a:fld id="{285106B5-F9C4-4415-BDE9-896DDFEC0EC3}" type="datetimeFigureOut">
               <a:rPr lang="en-US" smtClean="0"/>
-              <a:t>10/30/2022</a:t>
+              <a:t>11/2/2022</a:t>
             </a:fld>
             <a:endParaRPr lang="en-US"/>
           </a:p>
@@ -4510,7 +4510,7 @@
           <a:p>
             <a:fld id="{285106B5-F9C4-4415-BDE9-896DDFEC0EC3}" type="datetimeFigureOut">
               <a:rPr lang="en-US" smtClean="0"/>
-              <a:t>10/30/2022</a:t>
+              <a:t>11/2/2022</a:t>
             </a:fld>
             <a:endParaRPr lang="en-US"/>
           </a:p>
@@ -4793,7 +4793,7 @@
           <a:p>
             <a:fld id="{285106B5-F9C4-4415-BDE9-896DDFEC0EC3}" type="datetimeFigureOut">
               <a:rPr lang="en-US" smtClean="0"/>
-              <a:t>10/30/2022</a:t>
+              <a:t>11/2/2022</a:t>
             </a:fld>
             <a:endParaRPr lang="en-US"/>
           </a:p>
@@ -5084,7 +5084,7 @@
           <a:p>
             <a:fld id="{285106B5-F9C4-4415-BDE9-896DDFEC0EC3}" type="datetimeFigureOut">
               <a:rPr lang="en-US" smtClean="0"/>
-              <a:t>10/30/2022</a:t>
+              <a:t>11/2/2022</a:t>
             </a:fld>
             <a:endParaRPr lang="en-US"/>
           </a:p>
@@ -5614,7 +5614,7 @@
           <a:p>
             <a:fld id="{285106B5-F9C4-4415-BDE9-896DDFEC0EC3}" type="datetimeFigureOut">
               <a:rPr lang="en-US" smtClean="0"/>
-              <a:t>10/30/2022</a:t>
+              <a:t>11/2/2022</a:t>
             </a:fld>
             <a:endParaRPr lang="en-US"/>
           </a:p>
@@ -7757,15 +7757,6 @@
           <a:effectLst>
             <a:reflection blurRad="12700" stA="38000" endPos="28000" dist="5000" dir="5400000" sy="-100000" algn="bl" rotWithShape="0"/>
           </a:effectLst>
-          <a:extLst>
-            <a:ext uri="{909E8E84-426E-40DD-AFC4-6F175D3DCCD1}">
-              <a14:hiddenFill xmlns:a14="http://schemas.microsoft.com/office/drawing/2010/main">
-                <a:solidFill>
-                  <a:srgbClr val="FFFFFF"/>
-                </a:solidFill>
-              </a14:hiddenFill>
-            </a:ext>
-          </a:extLst>
         </p:spPr>
       </p:pic>
       <p:pic>
@@ -8974,6 +8965,44 @@
           <a:p>
             <a:pPr algn="ctr"/>
             <a:endParaRPr lang="en-US"/>
+          </a:p>
+        </p:txBody>
+      </p:sp>
+      <p:sp>
+        <p:nvSpPr>
+          <p:cNvPr id="8" name="TextBox 7">
+            <a:extLst>
+              <a:ext uri="{FF2B5EF4-FFF2-40B4-BE49-F238E27FC236}">
+                <a16:creationId xmlns:a16="http://schemas.microsoft.com/office/drawing/2014/main" id="{5DC0E6AE-77C9-0665-6DA0-428B07648C46}"/>
+              </a:ext>
+            </a:extLst>
+          </p:cNvPr>
+          <p:cNvSpPr txBox="1"/>
+          <p:nvPr/>
+        </p:nvSpPr>
+        <p:spPr>
+          <a:xfrm>
+            <a:off x="2758387" y="6358316"/>
+            <a:ext cx="6675225" cy="369332"/>
+          </a:xfrm>
+          <a:prstGeom prst="rect">
+            <a:avLst/>
+          </a:prstGeom>
+          <a:noFill/>
+        </p:spPr>
+        <p:txBody>
+          <a:bodyPr wrap="none" rtlCol="0">
+            <a:spAutoFit/>
+          </a:bodyPr>
+          <a:lstStyle/>
+          <a:p>
+            <a:r>
+              <a:rPr lang="en-US" dirty="0">
+                <a:hlinkClick r:id="rId3"/>
+              </a:rPr>
+              <a:t>https://aaronjmedina-email-topic-app-app-3l0pjx.streamlitapp.com/</a:t>
+            </a:r>
+            <a:endParaRPr lang="en-US" dirty="0"/>
           </a:p>
         </p:txBody>
       </p:sp>
